--- a/Lending club credit risk predictor.pptx
+++ b/Lending club credit risk predictor.pptx
@@ -21,7 +21,7 @@
     <p:sldId id="264" r:id="rId12"/>
     <p:sldId id="261" r:id="rId13"/>
     <p:sldId id="344" r:id="rId14"/>
-    <p:sldId id="268" r:id="rId15"/>
+    <p:sldId id="347" r:id="rId15"/>
     <p:sldId id="345" r:id="rId16"/>
     <p:sldId id="346" r:id="rId17"/>
     <p:sldId id="266" r:id="rId18"/>
@@ -875,6 +875,67 @@
     <p:extLst>
       <p:ext uri="{BB962C8B-B14F-4D97-AF65-F5344CB8AC3E}">
         <p14:creationId xmlns:p14="http://schemas.microsoft.com/office/powerpoint/2010/main" val="2702450372"/>
+      </p:ext>
+    </p:extLst>
+  </p:cSld>
+  <p:clrMapOvr>
+    <a:masterClrMapping/>
+  </p:clrMapOvr>
+</p:notes>
+</file>
+
+<file path=ppt/notesSlides/notesSlide4.xml><?xml version="1.0" encoding="utf-8"?>
+<p:notes xmlns:a="http://schemas.openxmlformats.org/drawingml/2006/main" xmlns:r="http://schemas.openxmlformats.org/officeDocument/2006/relationships" xmlns:p="http://schemas.openxmlformats.org/presentationml/2006/main">
+  <p:cSld>
+    <p:spTree>
+      <p:nvGrpSpPr>
+        <p:cNvPr id="1" name=""/>
+        <p:cNvGrpSpPr/>
+        <p:nvPr/>
+      </p:nvGrpSpPr>
+      <p:grpSpPr>
+        <a:xfrm>
+          <a:off x="0" y="0"/>
+          <a:ext cx="0" cy="0"/>
+          <a:chOff x="0" y="0"/>
+          <a:chExt cx="0" cy="0"/>
+        </a:xfrm>
+      </p:grpSpPr>
+      <p:sp>
+        <p:nvSpPr>
+          <p:cNvPr id="2" name="Slide Image Placeholder 1"/>
+          <p:cNvSpPr>
+            <a:spLocks noGrp="1" noRot="1" noChangeAspect="1"/>
+          </p:cNvSpPr>
+          <p:nvPr>
+            <p:ph type="sldImg"/>
+          </p:nvPr>
+        </p:nvSpPr>
+        <p:spPr/>
+      </p:sp>
+      <p:sp>
+        <p:nvSpPr>
+          <p:cNvPr id="3" name="Notes Placeholder 2"/>
+          <p:cNvSpPr>
+            <a:spLocks noGrp="1"/>
+          </p:cNvSpPr>
+          <p:nvPr>
+            <p:ph type="body" idx="1"/>
+          </p:nvPr>
+        </p:nvSpPr>
+        <p:spPr/>
+        <p:txBody>
+          <a:bodyPr/>
+          <a:lstStyle/>
+          <a:p>
+            <a:endParaRPr lang="en-AU" dirty="0"/>
+          </a:p>
+        </p:txBody>
+      </p:sp>
+    </p:spTree>
+    <p:extLst>
+      <p:ext uri="{BB962C8B-B14F-4D97-AF65-F5344CB8AC3E}">
+        <p14:creationId xmlns:p14="http://schemas.microsoft.com/office/powerpoint/2010/main" val="4185860982"/>
       </p:ext>
     </p:extLst>
   </p:cSld>
@@ -5628,7 +5689,7 @@
         </p:nvSpPr>
         <p:spPr>
           <a:xfrm>
-            <a:off x="5416296" y="97155"/>
+            <a:off x="2800916" y="87597"/>
             <a:ext cx="6217920" cy="360045"/>
           </a:xfrm>
           <a:noFill/>
@@ -5637,9 +5698,10 @@
           <a:bodyPr/>
           <a:lstStyle/>
           <a:p>
+            <a:pPr algn="ctr"/>
             <a:r>
               <a:rPr lang="en-US" dirty="0"/>
-              <a:t>ROC</a:t>
+              <a:t>ROC Curve</a:t>
             </a:r>
           </a:p>
         </p:txBody>
@@ -5691,14 +5753,75 @@
         </p:blipFill>
         <p:spPr>
           <a:xfrm>
-            <a:off x="709612" y="623887"/>
-            <a:ext cx="6489125" cy="5136833"/>
+            <a:off x="532632" y="721482"/>
+            <a:ext cx="7352841" cy="5820556"/>
           </a:xfrm>
           <a:prstGeom prst="rect">
             <a:avLst/>
           </a:prstGeom>
         </p:spPr>
       </p:pic>
+      <p:sp>
+        <p:nvSpPr>
+          <p:cNvPr id="3" name="TextBox 2">
+            <a:extLst>
+              <a:ext uri="{FF2B5EF4-FFF2-40B4-BE49-F238E27FC236}">
+                <a16:creationId xmlns:a16="http://schemas.microsoft.com/office/drawing/2014/main" id="{ADF084D3-1E29-C7B0-83C6-5F7BEFFF2B9E}"/>
+              </a:ext>
+            </a:extLst>
+          </p:cNvPr>
+          <p:cNvSpPr txBox="1"/>
+          <p:nvPr/>
+        </p:nvSpPr>
+        <p:spPr>
+          <a:xfrm>
+            <a:off x="7885473" y="1600435"/>
+            <a:ext cx="4109883" cy="2862322"/>
+          </a:xfrm>
+          <a:prstGeom prst="rect">
+            <a:avLst/>
+          </a:prstGeom>
+          <a:noFill/>
+        </p:spPr>
+        <p:txBody>
+          <a:bodyPr wrap="square">
+            <a:spAutoFit/>
+          </a:bodyPr>
+          <a:lstStyle/>
+          <a:p>
+            <a:pPr lvl="1"/>
+            <a:r>
+              <a:rPr lang="en-US" sz="2000" dirty="0"/>
+              <a:t>The gap in the training AUC and OOT ROC (0.068) suggests overfitting which can be further worked upon by:</a:t>
+            </a:r>
+          </a:p>
+          <a:p>
+            <a:pPr lvl="1"/>
+            <a:endParaRPr lang="en-US" sz="2000" dirty="0"/>
+          </a:p>
+          <a:p>
+            <a:pPr marL="742950" lvl="1" indent="-285750">
+              <a:buFont typeface="Arial" panose="020B0604020202020204" pitchFamily="34" charset="0"/>
+              <a:buChar char="•"/>
+            </a:pPr>
+            <a:r>
+              <a:rPr lang="en-US" sz="2000" dirty="0"/>
+              <a:t>Feature Engineering</a:t>
+            </a:r>
+          </a:p>
+          <a:p>
+            <a:pPr marL="742950" lvl="1" indent="-285750">
+              <a:buFont typeface="Arial" panose="020B0604020202020204" pitchFamily="34" charset="0"/>
+              <a:buChar char="•"/>
+            </a:pPr>
+            <a:r>
+              <a:rPr lang="en-US" sz="2000" dirty="0"/>
+              <a:t>Fine tuning regularization parameters (L1, L2, early stopping, etc.)</a:t>
+            </a:r>
+            <a:endParaRPr lang="en-AU" sz="2000" dirty="0"/>
+          </a:p>
+        </p:txBody>
+      </p:sp>
     </p:spTree>
     <p:extLst>
       <p:ext uri="{BB962C8B-B14F-4D97-AF65-F5344CB8AC3E}">
@@ -5717,7 +5840,13 @@
   <p:cSld>
     <p:spTree>
       <p:nvGrpSpPr>
-        <p:cNvPr id="1" name=""/>
+        <p:cNvPr id="1" name="">
+          <a:extLst>
+            <a:ext uri="{FF2B5EF4-FFF2-40B4-BE49-F238E27FC236}">
+              <a16:creationId xmlns:a16="http://schemas.microsoft.com/office/drawing/2014/main" id="{50BBC4A2-FE25-CB0B-1A0B-4DB6DBDF8134}"/>
+            </a:ext>
+          </a:extLst>
+        </p:cNvPr>
         <p:cNvGrpSpPr/>
         <p:nvPr/>
       </p:nvGrpSpPr>
@@ -5734,7 +5863,7 @@
           <p:cNvPr id="2" name="Title 1">
             <a:extLst>
               <a:ext uri="{FF2B5EF4-FFF2-40B4-BE49-F238E27FC236}">
-                <a16:creationId xmlns:a16="http://schemas.microsoft.com/office/drawing/2014/main" id="{B7545968-70F7-0180-6448-3547E442EF4A}"/>
+                <a16:creationId xmlns:a16="http://schemas.microsoft.com/office/drawing/2014/main" id="{DC7DDBD6-B652-BF58-D03E-82EFFCFDDDD7}"/>
               </a:ext>
             </a:extLst>
           </p:cNvPr>
@@ -5747,15 +5876,16 @@
         </p:nvSpPr>
         <p:spPr>
           <a:xfrm>
-            <a:off x="1280160" y="1097280"/>
-            <a:ext cx="9820656" cy="914400"/>
+            <a:off x="2800916" y="87597"/>
+            <a:ext cx="6217920" cy="360045"/>
           </a:xfrm>
           <a:noFill/>
         </p:spPr>
         <p:txBody>
-          <a:bodyPr anchor="t" anchorCtr="0"/>
+          <a:bodyPr/>
           <a:lstStyle/>
           <a:p>
+            <a:pPr algn="ctr"/>
             <a:r>
               <a:rPr lang="en-US" dirty="0"/>
               <a:t>Feature importance</a:t>
@@ -5765,10 +5895,10 @@
       </p:sp>
       <p:sp>
         <p:nvSpPr>
-          <p:cNvPr id="7" name="Content Placeholder 6">
-            <a:extLst>
-              <a:ext uri="{FF2B5EF4-FFF2-40B4-BE49-F238E27FC236}">
-                <a16:creationId xmlns:a16="http://schemas.microsoft.com/office/drawing/2014/main" id="{5A015FC1-07D7-779B-2EDD-FE36BBAC8B95}"/>
+          <p:cNvPr id="8" name="Picture Placeholder 7">
+            <a:extLst>
+              <a:ext uri="{FF2B5EF4-FFF2-40B4-BE49-F238E27FC236}">
+                <a16:creationId xmlns:a16="http://schemas.microsoft.com/office/drawing/2014/main" id="{3E52ED62-FE31-1A3C-F386-695251302BA8}"/>
               </a:ext>
             </a:extLst>
           </p:cNvPr>
@@ -5776,7 +5906,7 @@
             <a:spLocks noGrp="1"/>
           </p:cNvSpPr>
           <p:nvPr>
-            <p:ph sz="half" idx="2"/>
+            <p:ph type="pic" sz="quarter" idx="13"/>
           </p:nvPr>
         </p:nvSpPr>
         <p:spPr/>
@@ -5784,7 +5914,44 @@
           <a:bodyPr/>
           <a:lstStyle/>
           <a:p>
-            <a:endParaRPr lang="en-AU" dirty="0"/>
+            <a:endParaRPr lang="en-AU"/>
+          </a:p>
+        </p:txBody>
+      </p:sp>
+      <p:sp>
+        <p:nvSpPr>
+          <p:cNvPr id="3" name="TextBox 2">
+            <a:extLst>
+              <a:ext uri="{FF2B5EF4-FFF2-40B4-BE49-F238E27FC236}">
+                <a16:creationId xmlns:a16="http://schemas.microsoft.com/office/drawing/2014/main" id="{4E787459-DF05-8CEF-4BFB-B68330F3E820}"/>
+              </a:ext>
+            </a:extLst>
+          </p:cNvPr>
+          <p:cNvSpPr txBox="1"/>
+          <p:nvPr/>
+        </p:nvSpPr>
+        <p:spPr>
+          <a:xfrm>
+            <a:off x="8593394" y="2073643"/>
+            <a:ext cx="3352799" cy="2246769"/>
+          </a:xfrm>
+          <a:prstGeom prst="rect">
+            <a:avLst/>
+          </a:prstGeom>
+          <a:noFill/>
+        </p:spPr>
+        <p:txBody>
+          <a:bodyPr wrap="square">
+            <a:spAutoFit/>
+          </a:bodyPr>
+          <a:lstStyle/>
+          <a:p>
+            <a:pPr lvl="1"/>
+            <a:r>
+              <a:rPr lang="en-US" sz="2000" dirty="0"/>
+              <a:t>Sub grade, interest rate and term are the most important features in terms of reducing the prediction error and helped the most in splitting the data at key decision nodes.</a:t>
+            </a:r>
+            <a:endParaRPr lang="en-AU" sz="2000" dirty="0"/>
           </a:p>
         </p:txBody>
       </p:sp>
@@ -5810,8 +5977,8 @@
         </p:blipFill>
         <p:spPr>
           <a:xfrm>
-            <a:off x="1254824" y="1735233"/>
-            <a:ext cx="9420225" cy="5619750"/>
+            <a:off x="245807" y="1329988"/>
+            <a:ext cx="8190733" cy="4886282"/>
           </a:xfrm>
           <a:prstGeom prst="rect">
             <a:avLst/>
@@ -5821,7 +5988,7 @@
     </p:spTree>
     <p:extLst>
       <p:ext uri="{BB962C8B-B14F-4D97-AF65-F5344CB8AC3E}">
-        <p14:creationId xmlns:p14="http://schemas.microsoft.com/office/powerpoint/2010/main" val="4259977132"/>
+        <p14:creationId xmlns:p14="http://schemas.microsoft.com/office/powerpoint/2010/main" val="4051703799"/>
       </p:ext>
     </p:extLst>
   </p:cSld>
@@ -5872,8 +6039,8 @@
         </p:nvSpPr>
         <p:spPr>
           <a:xfrm>
-            <a:off x="1280160" y="1097280"/>
-            <a:ext cx="9821955" cy="914400"/>
+            <a:off x="1280160" y="261538"/>
+            <a:ext cx="9821955" cy="505378"/>
           </a:xfrm>
         </p:spPr>
         <p:txBody>
@@ -5882,9 +6049,14 @@
           </a:bodyPr>
           <a:lstStyle/>
           <a:p>
+            <a:pPr algn="ctr"/>
             <a:r>
               <a:rPr lang="en-AU" dirty="0"/>
-              <a:t>PDP and ice plots</a:t>
+              <a:t>PDP and ice plots </a:t>
+            </a:r>
+            <a:r>
+              <a:rPr lang="en-AU" sz="2400" dirty="0"/>
+              <a:t>(top 4 features)</a:t>
             </a:r>
           </a:p>
         </p:txBody>
@@ -5912,8 +6084,8 @@
         </p:blipFill>
         <p:spPr>
           <a:xfrm>
-            <a:off x="1280160" y="2377440"/>
-            <a:ext cx="4663440" cy="3566160"/>
+            <a:off x="382701" y="1691148"/>
+            <a:ext cx="6195080" cy="4737414"/>
           </a:xfrm>
           <a:prstGeom prst="rect">
             <a:avLst/>
@@ -5939,13 +6111,13 @@
         </p:nvSpPr>
         <p:spPr>
           <a:xfrm>
-            <a:off x="6309360" y="2377440"/>
-            <a:ext cx="4663440" cy="3566160"/>
+            <a:off x="6869800" y="1767839"/>
+            <a:ext cx="5174717" cy="4328161"/>
           </a:xfrm>
         </p:spPr>
         <p:txBody>
           <a:bodyPr vert="horz" lIns="365760" tIns="365760" rIns="365760" bIns="365760" rtlCol="0">
-            <a:normAutofit/>
+            <a:noAutofit/>
           </a:bodyPr>
           <a:lstStyle/>
           <a:p>
@@ -5953,27 +6125,27 @@
               <a:buNone/>
             </a:pPr>
             <a:r>
-              <a:rPr lang="en-AU" sz="1000"/>
+              <a:rPr lang="en-AU" sz="1400" dirty="0"/>
               <a:t>	</a:t>
             </a:r>
             <a:r>
-              <a:rPr lang="en-AU" sz="1000" b="1" err="1"/>
+              <a:rPr lang="en-AU" sz="1400" b="1" dirty="0" err="1"/>
               <a:t>sub_grade</a:t>
             </a:r>
             <a:r>
-              <a:rPr lang="en-AU" sz="1000" b="1"/>
+              <a:rPr lang="en-AU" sz="1400" b="1" dirty="0"/>
               <a:t>:</a:t>
             </a:r>
             <a:r>
-              <a:rPr lang="en-AU" sz="1000"/>
+              <a:rPr lang="en-AU" sz="1400" dirty="0"/>
               <a:t> </a:t>
             </a:r>
             <a:r>
-              <a:rPr lang="en-AU" sz="1000" b="0"/>
-              <a:t>As the sub grade increases (deteriorates), the credit default increases up to a certain point, then stabilizes. There is sharp increase a couple of times in between which is probably indicates grade boundaries</a:t>
-            </a:r>
-            <a:r>
-              <a:rPr lang="en-AU" sz="1000"/>
+              <a:rPr lang="en-AU" sz="1400" b="0" dirty="0"/>
+              <a:t>As the sub grade increases (deteriorates), the likelihood of credit default increases up to a certain point, then stabilizes. There is sharp increase a couple of times in between which probably indicates grade boundaries</a:t>
+            </a:r>
+            <a:r>
+              <a:rPr lang="en-AU" sz="1400" dirty="0"/>
               <a:t>.</a:t>
             </a:r>
           </a:p>
@@ -5982,30 +6154,30 @@
               <a:buNone/>
             </a:pPr>
             <a:br>
-              <a:rPr lang="en-AU" sz="1000"/>
+              <a:rPr lang="en-AU" sz="1400" dirty="0"/>
             </a:br>
             <a:r>
-              <a:rPr lang="en-AU" sz="1000" b="1" err="1"/>
+              <a:rPr lang="en-AU" sz="1400" b="1" dirty="0" err="1"/>
               <a:t>int_rate</a:t>
             </a:r>
             <a:r>
-              <a:rPr lang="en-AU" sz="1000"/>
+              <a:rPr lang="en-AU" sz="1400" dirty="0"/>
               <a:t>: </a:t>
             </a:r>
             <a:r>
-              <a:rPr lang="en-AU" sz="1000" b="0"/>
+              <a:rPr lang="en-AU" sz="1400" b="0" dirty="0"/>
               <a:t>With an increase in </a:t>
             </a:r>
             <a:r>
-              <a:rPr lang="en-AU" sz="1000" b="0" err="1"/>
+              <a:rPr lang="en-AU" sz="1400" b="0" dirty="0" err="1"/>
               <a:t>int_rate</a:t>
             </a:r>
             <a:r>
-              <a:rPr lang="en-AU" sz="1000" b="0"/>
-              <a:t>, there is a gradual increase in the default. Data is evenly distributed as observed by the rug ticks</a:t>
-            </a:r>
-            <a:r>
-              <a:rPr lang="en-AU" sz="1000"/>
+              <a:rPr lang="en-AU" sz="1400" b="0" dirty="0"/>
+              <a:t>, there is a gradual and continuous increase in the default probability. Data is evenly distributed as observed by the rug ticks</a:t>
+            </a:r>
+            <a:r>
+              <a:rPr lang="en-AU" sz="1400" dirty="0"/>
               <a:t>.</a:t>
             </a:r>
           </a:p>
@@ -6014,31 +6186,23 @@
               <a:buNone/>
             </a:pPr>
             <a:br>
-              <a:rPr lang="en-AU" sz="1000"/>
+              <a:rPr lang="en-AU" sz="1400" dirty="0"/>
             </a:br>
             <a:r>
-              <a:rPr lang="en-AU" sz="1000" b="1"/>
+              <a:rPr lang="en-AU" sz="1400" b="1" dirty="0"/>
               <a:t>term</a:t>
             </a:r>
             <a:r>
-              <a:rPr lang="en-AU" sz="1000"/>
+              <a:rPr lang="en-AU" sz="1400" dirty="0"/>
               <a:t>: </a:t>
             </a:r>
             <a:r>
-              <a:rPr lang="en-AU" sz="1000" b="0"/>
-              <a:t>It has a constant slope which means a constant increase in default with term. Rug ticks suggests data is concentrated along the </a:t>
-            </a:r>
-            <a:r>
-              <a:rPr lang="en-AU" sz="1000" b="0" err="1"/>
-              <a:t>extereme</a:t>
-            </a:r>
-            <a:r>
-              <a:rPr lang="en-AU" sz="1000" b="0"/>
-              <a:t> ends</a:t>
-            </a:r>
-            <a:r>
-              <a:rPr lang="en-AU" sz="1000"/>
-              <a:t>.</a:t>
+              <a:rPr lang="en-AU" sz="1400" b="0" dirty="0"/>
+              <a:t>It has a constant slope which means a constant increase in default probability with term.</a:t>
+            </a:r>
+            <a:r>
+              <a:rPr lang="en-AU" sz="1400" dirty="0"/>
+              <a:t> We observed the same during univariate analysis (from 13% to 36% increase in bad loan from 36 to 60 months).</a:t>
             </a:r>
           </a:p>
           <a:p>
@@ -6046,44 +6210,24 @@
               <a:buNone/>
             </a:pPr>
             <a:br>
-              <a:rPr lang="en-AU" sz="1000"/>
+              <a:rPr lang="en-AU" sz="1400" dirty="0"/>
             </a:br>
             <a:r>
-              <a:rPr lang="en-AU" sz="1000" b="1" err="1"/>
+              <a:rPr lang="en-AU" sz="1400" b="1" dirty="0" err="1"/>
               <a:t>avg_curr_bal_n</a:t>
             </a:r>
             <a:r>
-              <a:rPr lang="en-AU" sz="1000"/>
+              <a:rPr lang="en-AU" sz="1400" dirty="0"/>
               <a:t>: </a:t>
             </a:r>
             <a:r>
-              <a:rPr lang="en-AU" sz="1000" b="0"/>
-              <a:t>default decreases initially indicating a negative relation and the </a:t>
-            </a:r>
-            <a:r>
-              <a:rPr lang="en-AU" sz="1000" b="0" err="1"/>
-              <a:t>stabalizes</a:t>
-            </a:r>
-            <a:r>
-              <a:rPr lang="en-AU" sz="1000" b="0"/>
-              <a:t> or rate of change is quite slow</a:t>
-            </a:r>
-            <a:r>
-              <a:rPr lang="en-AU" sz="1000"/>
-              <a:t>.</a:t>
-            </a:r>
-          </a:p>
-          <a:p>
-            <a:br>
-              <a:rPr lang="en-AU" sz="1000"/>
-            </a:br>
-            <a:endParaRPr lang="en-AU" sz="1000"/>
-          </a:p>
-          <a:p>
-            <a:endParaRPr lang="en-AU" sz="1000"/>
-          </a:p>
-          <a:p>
-            <a:endParaRPr lang="en-US" sz="1000"/>
+              <a:rPr lang="en-AU" sz="1400" b="0" dirty="0"/>
+              <a:t>default decreases initially indicating a slight negative relation and the stabilizes.</a:t>
+            </a:r>
+            <a:endParaRPr lang="en-AU" sz="1400" dirty="0"/>
+          </a:p>
+          <a:p>
+            <a:endParaRPr lang="en-US" sz="1400" dirty="0"/>
           </a:p>
         </p:txBody>
       </p:sp>
@@ -6141,8 +6285,8 @@
         </p:nvSpPr>
         <p:spPr>
           <a:xfrm>
-            <a:off x="1280160" y="1097280"/>
-            <a:ext cx="9821955" cy="914400"/>
+            <a:off x="1319489" y="241873"/>
+            <a:ext cx="9821955" cy="544708"/>
           </a:xfrm>
         </p:spPr>
         <p:txBody>
@@ -6151,9 +6295,10 @@
           </a:bodyPr>
           <a:lstStyle/>
           <a:p>
+            <a:pPr algn="ctr"/>
             <a:r>
               <a:rPr lang="en-AU" dirty="0"/>
-              <a:t>Optimal threshold</a:t>
+              <a:t>Optimal model cut-off</a:t>
             </a:r>
           </a:p>
         </p:txBody>
@@ -6180,8 +6325,8 @@
         </p:blipFill>
         <p:spPr>
           <a:xfrm>
-            <a:off x="1280160" y="2726512"/>
-            <a:ext cx="4663440" cy="2868015"/>
+            <a:off x="84007" y="1212291"/>
+            <a:ext cx="6805886" cy="4185619"/>
           </a:xfrm>
           <a:prstGeom prst="rect">
             <a:avLst/>
@@ -6207,13 +6352,13 @@
         </p:nvSpPr>
         <p:spPr>
           <a:xfrm>
-            <a:off x="6309360" y="2377440"/>
-            <a:ext cx="4663440" cy="3566160"/>
+            <a:off x="6889893" y="1522020"/>
+            <a:ext cx="5218100" cy="3566160"/>
           </a:xfrm>
         </p:spPr>
         <p:txBody>
           <a:bodyPr vert="horz" lIns="365760" tIns="365760" rIns="365760" bIns="365760" rtlCol="0">
-            <a:normAutofit/>
+            <a:noAutofit/>
           </a:bodyPr>
           <a:lstStyle/>
           <a:p>
@@ -6221,137 +6366,291 @@
               <a:buNone/>
             </a:pPr>
             <a:r>
-              <a:rPr lang="en-AU" sz="1000"/>
-              <a:t>	</a:t>
-            </a:r>
-            <a:r>
-              <a:rPr lang="en-AU" sz="1000" b="1" err="1"/>
-              <a:t>sub_grade</a:t>
-            </a:r>
-            <a:r>
-              <a:rPr lang="en-AU" sz="1000" b="1"/>
-              <a:t>:</a:t>
-            </a:r>
-            <a:r>
-              <a:rPr lang="en-AU" sz="1000"/>
-              <a:t> </a:t>
-            </a:r>
-            <a:r>
-              <a:rPr lang="en-AU" sz="1000" b="0"/>
-              <a:t>As the sub grade increases (deteriorates), the credit default increases up to a certain point, then stabilizes. There is sharp increase a couple of times in between which is probably indicates grade boundaries</a:t>
-            </a:r>
-            <a:r>
-              <a:rPr lang="en-AU" sz="1000"/>
-              <a:t>.</a:t>
+              <a:rPr lang="en-AU" dirty="0"/>
+              <a:t>N</a:t>
+            </a:r>
+            <a:r>
+              <a:rPr lang="en-US" dirty="0"/>
+              <a:t>o cost for a predicted positive case </a:t>
             </a:r>
           </a:p>
           <a:p>
             <a:pPr>
               <a:buNone/>
             </a:pPr>
-            <a:br>
-              <a:rPr lang="en-AU" sz="1000"/>
-            </a:br>
-            <a:r>
-              <a:rPr lang="en-AU" sz="1000" b="1" err="1"/>
-              <a:t>int_rate</a:t>
-            </a:r>
-            <a:r>
-              <a:rPr lang="en-AU" sz="1000"/>
-              <a:t>: </a:t>
-            </a:r>
-            <a:r>
-              <a:rPr lang="en-AU" sz="1000" b="0"/>
-              <a:t>With an increase in </a:t>
-            </a:r>
-            <a:r>
-              <a:rPr lang="en-AU" sz="1000" b="0" err="1"/>
-              <a:t>int_rate</a:t>
-            </a:r>
-            <a:r>
-              <a:rPr lang="en-AU" sz="1000" b="0"/>
-              <a:t>, there is a gradual increase in the default. Data is evenly distributed as observed by the rug ticks</a:t>
-            </a:r>
-            <a:r>
-              <a:rPr lang="en-AU" sz="1000"/>
-              <a:t>.</a:t>
+            <a:r>
+              <a:rPr lang="en-US" dirty="0"/>
+              <a:t>Return of a true negative case = $300 </a:t>
             </a:r>
           </a:p>
           <a:p>
             <a:pPr>
               <a:buNone/>
             </a:pPr>
-            <a:br>
-              <a:rPr lang="en-AU" sz="1000"/>
-            </a:br>
-            <a:r>
-              <a:rPr lang="en-AU" sz="1000" b="1"/>
-              <a:t>term</a:t>
-            </a:r>
-            <a:r>
-              <a:rPr lang="en-AU" sz="1000"/>
-              <a:t>: </a:t>
-            </a:r>
-            <a:r>
-              <a:rPr lang="en-AU" sz="1000" b="0"/>
-              <a:t>It has a constant slope which means a constant increase in default with term. Rug ticks suggests data is concentrated along the </a:t>
-            </a:r>
-            <a:r>
-              <a:rPr lang="en-AU" sz="1000" b="0" err="1"/>
-              <a:t>extereme</a:t>
-            </a:r>
-            <a:r>
-              <a:rPr lang="en-AU" sz="1000" b="0"/>
-              <a:t> ends</a:t>
-            </a:r>
-            <a:r>
-              <a:rPr lang="en-AU" sz="1000"/>
-              <a:t>.</a:t>
+            <a:r>
+              <a:rPr lang="en-US" dirty="0"/>
+              <a:t>Cost of a false negative case is $1,000</a:t>
             </a:r>
           </a:p>
           <a:p>
             <a:pPr>
               <a:buNone/>
             </a:pPr>
+            <a:r>
+              <a:rPr lang="en-US" b="0" dirty="0">
+                <a:solidFill>
+                  <a:srgbClr val="9CDCFE"/>
+                </a:solidFill>
+                <a:effectLst/>
+                <a:latin typeface="Consolas" panose="020B0609020204030204" pitchFamily="49" charset="0"/>
+              </a:rPr>
+              <a:t>Net</a:t>
+            </a:r>
+            <a:r>
+              <a:rPr lang="en-US" dirty="0">
+                <a:solidFill>
+                  <a:srgbClr val="9CDCFE"/>
+                </a:solidFill>
+                <a:latin typeface="Consolas" panose="020B0609020204030204" pitchFamily="49" charset="0"/>
+              </a:rPr>
+              <a:t> </a:t>
+            </a:r>
+            <a:r>
+              <a:rPr lang="en-US" b="0" dirty="0">
+                <a:solidFill>
+                  <a:srgbClr val="9CDCFE"/>
+                </a:solidFill>
+                <a:effectLst/>
+                <a:latin typeface="Consolas" panose="020B0609020204030204" pitchFamily="49" charset="0"/>
+              </a:rPr>
+              <a:t>Profit</a:t>
+            </a:r>
+            <a:r>
+              <a:rPr lang="en-US" b="0" dirty="0">
+                <a:solidFill>
+                  <a:srgbClr val="CCCCCC"/>
+                </a:solidFill>
+                <a:effectLst/>
+                <a:latin typeface="Consolas" panose="020B0609020204030204" pitchFamily="49" charset="0"/>
+              </a:rPr>
+              <a:t> </a:t>
+            </a:r>
+            <a:r>
+              <a:rPr lang="en-US" b="0" dirty="0">
+                <a:solidFill>
+                  <a:srgbClr val="D4D4D4"/>
+                </a:solidFill>
+                <a:effectLst/>
+                <a:latin typeface="Consolas" panose="020B0609020204030204" pitchFamily="49" charset="0"/>
+              </a:rPr>
+              <a:t>=</a:t>
+            </a:r>
+            <a:r>
+              <a:rPr lang="en-US" b="0" dirty="0">
+                <a:solidFill>
+                  <a:srgbClr val="CCCCCC"/>
+                </a:solidFill>
+                <a:effectLst/>
+                <a:latin typeface="Consolas" panose="020B0609020204030204" pitchFamily="49" charset="0"/>
+              </a:rPr>
+              <a:t> (</a:t>
+            </a:r>
+            <a:r>
+              <a:rPr lang="en-US" b="0" dirty="0">
+                <a:solidFill>
+                  <a:srgbClr val="4FC1FF"/>
+                </a:solidFill>
+                <a:effectLst/>
+                <a:latin typeface="Consolas" panose="020B0609020204030204" pitchFamily="49" charset="0"/>
+              </a:rPr>
+              <a:t>TN</a:t>
+            </a:r>
+            <a:r>
+              <a:rPr lang="en-US" b="0" dirty="0">
+                <a:solidFill>
+                  <a:srgbClr val="CCCCCC"/>
+                </a:solidFill>
+                <a:effectLst/>
+                <a:latin typeface="Consolas" panose="020B0609020204030204" pitchFamily="49" charset="0"/>
+              </a:rPr>
+              <a:t> </a:t>
+            </a:r>
+            <a:r>
+              <a:rPr lang="en-US" b="0" dirty="0">
+                <a:solidFill>
+                  <a:srgbClr val="D4D4D4"/>
+                </a:solidFill>
+                <a:effectLst/>
+                <a:latin typeface="Consolas" panose="020B0609020204030204" pitchFamily="49" charset="0"/>
+              </a:rPr>
+              <a:t>*</a:t>
+            </a:r>
+            <a:r>
+              <a:rPr lang="en-US" b="0" dirty="0">
+                <a:solidFill>
+                  <a:srgbClr val="CCCCCC"/>
+                </a:solidFill>
+                <a:effectLst/>
+                <a:latin typeface="Consolas" panose="020B0609020204030204" pitchFamily="49" charset="0"/>
+              </a:rPr>
+              <a:t> </a:t>
+            </a:r>
+            <a:r>
+              <a:rPr lang="en-US" b="0" dirty="0">
+                <a:solidFill>
+                  <a:srgbClr val="B5CEA8"/>
+                </a:solidFill>
+                <a:effectLst/>
+                <a:latin typeface="Consolas" panose="020B0609020204030204" pitchFamily="49" charset="0"/>
+              </a:rPr>
+              <a:t>300</a:t>
+            </a:r>
+            <a:r>
+              <a:rPr lang="en-US" b="0" dirty="0">
+                <a:solidFill>
+                  <a:srgbClr val="CCCCCC"/>
+                </a:solidFill>
+                <a:effectLst/>
+                <a:latin typeface="Consolas" panose="020B0609020204030204" pitchFamily="49" charset="0"/>
+              </a:rPr>
+              <a:t>)</a:t>
+            </a:r>
+            <a:r>
+              <a:rPr lang="en-US" b="0" dirty="0">
+                <a:solidFill>
+                  <a:srgbClr val="D4D4D4"/>
+                </a:solidFill>
+                <a:effectLst/>
+                <a:latin typeface="Consolas" panose="020B0609020204030204" pitchFamily="49" charset="0"/>
+              </a:rPr>
+              <a:t>-</a:t>
+            </a:r>
+            <a:r>
+              <a:rPr lang="en-US" b="0" dirty="0">
+                <a:solidFill>
+                  <a:srgbClr val="CCCCCC"/>
+                </a:solidFill>
+                <a:effectLst/>
+                <a:latin typeface="Consolas" panose="020B0609020204030204" pitchFamily="49" charset="0"/>
+              </a:rPr>
+              <a:t>(</a:t>
+            </a:r>
+            <a:r>
+              <a:rPr lang="en-US" b="0" dirty="0">
+                <a:solidFill>
+                  <a:srgbClr val="4FC1FF"/>
+                </a:solidFill>
+                <a:effectLst/>
+                <a:latin typeface="Consolas" panose="020B0609020204030204" pitchFamily="49" charset="0"/>
+              </a:rPr>
+              <a:t>FN</a:t>
+            </a:r>
+            <a:r>
+              <a:rPr lang="en-US" b="0" dirty="0">
+                <a:solidFill>
+                  <a:srgbClr val="CCCCCC"/>
+                </a:solidFill>
+                <a:effectLst/>
+                <a:latin typeface="Consolas" panose="020B0609020204030204" pitchFamily="49" charset="0"/>
+              </a:rPr>
+              <a:t> * </a:t>
+            </a:r>
+            <a:r>
+              <a:rPr lang="en-US" b="0" dirty="0">
+                <a:solidFill>
+                  <a:srgbClr val="B5CEA8"/>
+                </a:solidFill>
+                <a:effectLst/>
+                <a:latin typeface="Consolas" panose="020B0609020204030204" pitchFamily="49" charset="0"/>
+              </a:rPr>
+              <a:t>1000</a:t>
+            </a:r>
+            <a:r>
+              <a:rPr lang="en-US" b="0" dirty="0">
+                <a:solidFill>
+                  <a:srgbClr val="CCCCCC"/>
+                </a:solidFill>
+                <a:effectLst/>
+                <a:latin typeface="Consolas" panose="020B0609020204030204" pitchFamily="49" charset="0"/>
+              </a:rPr>
+              <a:t>)</a:t>
+            </a:r>
+          </a:p>
+          <a:p>
+            <a:pPr>
+              <a:buNone/>
+            </a:pPr>
+            <a:endParaRPr lang="en-AU" dirty="0"/>
+          </a:p>
+          <a:p>
+            <a:pPr>
+              <a:buNone/>
+            </a:pPr>
+            <a:r>
+              <a:rPr lang="en-US" dirty="0"/>
+              <a:t>Optimal Threshold: 0.1368</a:t>
+            </a:r>
+          </a:p>
+          <a:p>
+            <a:pPr>
+              <a:buNone/>
+            </a:pPr>
+            <a:r>
+              <a:rPr lang="en-US" dirty="0"/>
+              <a:t>Maximum Net Return: $861,600.00</a:t>
+            </a:r>
+            <a:endParaRPr lang="en-AU" dirty="0"/>
+          </a:p>
+          <a:p>
+            <a:pPr marL="0" indent="0">
+              <a:buNone/>
+            </a:pPr>
+            <a:endParaRPr lang="en-AU" dirty="0"/>
+          </a:p>
+          <a:p>
+            <a:endParaRPr lang="en-US" dirty="0"/>
+          </a:p>
+        </p:txBody>
+      </p:sp>
+      <p:sp>
+        <p:nvSpPr>
+          <p:cNvPr id="5" name="TextBox 4">
+            <a:extLst>
+              <a:ext uri="{FF2B5EF4-FFF2-40B4-BE49-F238E27FC236}">
+                <a16:creationId xmlns:a16="http://schemas.microsoft.com/office/drawing/2014/main" id="{A0A89BDA-D146-0C7F-A28F-74BF647A0060}"/>
+              </a:ext>
+            </a:extLst>
+          </p:cNvPr>
+          <p:cNvSpPr txBox="1"/>
+          <p:nvPr/>
+        </p:nvSpPr>
+        <p:spPr>
+          <a:xfrm>
+            <a:off x="923484" y="5969796"/>
+            <a:ext cx="10345031" cy="646331"/>
+          </a:xfrm>
+          <a:prstGeom prst="rect">
+            <a:avLst/>
+          </a:prstGeom>
+          <a:noFill/>
+        </p:spPr>
+        <p:txBody>
+          <a:bodyPr wrap="square">
+            <a:spAutoFit/>
+          </a:bodyPr>
+          <a:lstStyle/>
+          <a:p>
+            <a:pPr>
+              <a:buNone/>
+            </a:pPr>
+            <a:r>
+              <a:rPr lang="en-US" dirty="0"/>
+              <a:t>Please note that there is opportunity loss with False positives which we haven't considered</a:t>
+            </a:r>
             <a:br>
-              <a:rPr lang="en-AU" sz="1000"/>
+              <a:rPr lang="en-AU" dirty="0"/>
             </a:br>
-            <a:r>
-              <a:rPr lang="en-AU" sz="1000" b="1" err="1"/>
-              <a:t>avg_curr_bal_n</a:t>
-            </a:r>
-            <a:r>
-              <a:rPr lang="en-AU" sz="1000"/>
-              <a:t>: </a:t>
-            </a:r>
-            <a:r>
-              <a:rPr lang="en-AU" sz="1000" b="0"/>
-              <a:t>default decreases initially indicating a negative relation and the </a:t>
-            </a:r>
-            <a:r>
-              <a:rPr lang="en-AU" sz="1000" b="0" err="1"/>
-              <a:t>stabalizes</a:t>
-            </a:r>
-            <a:r>
-              <a:rPr lang="en-AU" sz="1000" b="0"/>
-              <a:t> or rate of change is quite slow</a:t>
-            </a:r>
-            <a:r>
-              <a:rPr lang="en-AU" sz="1000"/>
-              <a:t>.</a:t>
-            </a:r>
-          </a:p>
-          <a:p>
-            <a:br>
-              <a:rPr lang="en-AU" sz="1000"/>
-            </a:br>
-            <a:endParaRPr lang="en-AU" sz="1000"/>
-          </a:p>
-          <a:p>
-            <a:endParaRPr lang="en-AU" sz="1000"/>
-          </a:p>
-          <a:p>
-            <a:endParaRPr lang="en-US" sz="1000"/>
+            <a:endParaRPr lang="en-AU" dirty="0"/>
           </a:p>
         </p:txBody>
       </p:sp>
@@ -6404,7 +6703,7 @@
         <p:spPr>
           <a:xfrm>
             <a:off x="1280160" y="1097280"/>
-            <a:ext cx="9821955" cy="914400"/>
+            <a:ext cx="10498885" cy="914400"/>
           </a:xfrm>
           <a:noFill/>
         </p:spPr>
@@ -6414,7 +6713,11 @@
           <a:p>
             <a:r>
               <a:rPr lang="en-US" dirty="0"/>
-              <a:t>Summary</a:t>
+              <a:t>Feature Engineering</a:t>
+            </a:r>
+            <a:r>
+              <a:rPr lang="en-US" sz="2000" dirty="0"/>
+              <a:t>(experiment 2 &amp; experiment 3)</a:t>
             </a:r>
           </a:p>
         </p:txBody>
@@ -6437,7 +6740,7 @@
         </p:nvSpPr>
         <p:spPr>
           <a:xfrm>
-            <a:off x="1280160" y="2377440"/>
+            <a:off x="1280160" y="1866162"/>
             <a:ext cx="4663440" cy="3566160"/>
           </a:xfrm>
           <a:solidFill>
@@ -6450,31 +6753,137 @@
           </a:bodyPr>
           <a:lstStyle/>
           <a:p>
+            <a:pPr marL="0" indent="0">
+              <a:buNone/>
+            </a:pPr>
             <a:r>
               <a:rPr lang="en-US" dirty="0"/>
-              <a:t>With this product, Adatum Corporation is positioned for success in the dynamic market. </a:t>
-            </a:r>
-          </a:p>
-          <a:p>
+              <a:t>Feature engineering in experiment2:</a:t>
+            </a:r>
+          </a:p>
+          <a:p>
+            <a:pPr marL="0" indent="0">
+              <a:buNone/>
+            </a:pPr>
             <a:r>
               <a:rPr lang="en-US" dirty="0"/>
-              <a:t>With a focus on innovation, user experience, and strategic growth, we anticipate reaching new heights in the coming year.</a:t>
-            </a:r>
-          </a:p>
-          <a:p>
+              <a:t>1) Map </a:t>
+            </a:r>
+            <a:r>
+              <a:rPr lang="en-US" dirty="0" err="1"/>
+              <a:t>emp_length</a:t>
+            </a:r>
             <a:r>
               <a:rPr lang="en-US" dirty="0"/>
-              <a:t>Our commitment to user satisfaction underscores every aspect of our operations</a:t>
-            </a:r>
-          </a:p>
-        </p:txBody>
-      </p:sp>
-      <p:sp>
-        <p:nvSpPr>
-          <p:cNvPr id="4" name="Content Placeholder 3">
-            <a:extLst>
-              <a:ext uri="{FF2B5EF4-FFF2-40B4-BE49-F238E27FC236}">
-                <a16:creationId xmlns:a16="http://schemas.microsoft.com/office/drawing/2014/main" id="{3EE67564-0457-E486-97D0-8109D2C97B3F}"/>
+              <a:t> to high level categories</a:t>
+            </a:r>
+          </a:p>
+          <a:p>
+            <a:pPr>
+              <a:lnSpc>
+                <a:spcPts val="1425"/>
+              </a:lnSpc>
+              <a:buNone/>
+            </a:pPr>
+            <a:r>
+              <a:rPr lang="en-US" dirty="0"/>
+              <a:t>2) </a:t>
+            </a:r>
+            <a:r>
+              <a:rPr lang="en-US" dirty="0" err="1"/>
+              <a:t>loan_amnt_installment_n</a:t>
+            </a:r>
+            <a:r>
+              <a:rPr lang="en-US" dirty="0"/>
+              <a:t>  = </a:t>
+            </a:r>
+            <a:r>
+              <a:rPr lang="en-US" dirty="0" err="1"/>
+              <a:t>loan_amnt_n</a:t>
+            </a:r>
+            <a:r>
+              <a:rPr lang="en-US" dirty="0"/>
+              <a:t>/</a:t>
+            </a:r>
+            <a:r>
+              <a:rPr lang="en-US" dirty="0" err="1"/>
+              <a:t>installment_n</a:t>
+            </a:r>
+            <a:r>
+              <a:rPr lang="en-US" dirty="0"/>
+              <a:t> (highly correlated)</a:t>
+            </a:r>
+          </a:p>
+          <a:p>
+            <a:pPr>
+              <a:lnSpc>
+                <a:spcPts val="1425"/>
+              </a:lnSpc>
+              <a:buNone/>
+            </a:pPr>
+            <a:r>
+              <a:rPr lang="en-US" dirty="0"/>
+              <a:t>3) </a:t>
+            </a:r>
+            <a:r>
+              <a:rPr lang="en-US" dirty="0" err="1"/>
+              <a:t>tot_hi_cred_lim_avg_cur_bal_n</a:t>
+            </a:r>
+            <a:r>
+              <a:rPr lang="en-US" dirty="0"/>
+              <a:t> = </a:t>
+            </a:r>
+            <a:r>
+              <a:rPr lang="en-US" dirty="0" err="1"/>
+              <a:t>tot_hi_cred_lim_n</a:t>
+            </a:r>
+            <a:r>
+              <a:rPr lang="en-US" dirty="0"/>
+              <a:t>/</a:t>
+            </a:r>
+            <a:r>
+              <a:rPr lang="en-US" dirty="0" err="1"/>
+              <a:t>avg_cur_bal_n</a:t>
+            </a:r>
+            <a:r>
+              <a:rPr lang="en-US" dirty="0"/>
+              <a:t> (highly correlated)</a:t>
+            </a:r>
+          </a:p>
+          <a:p>
+            <a:pPr marL="0" indent="0">
+              <a:lnSpc>
+                <a:spcPts val="1425"/>
+              </a:lnSpc>
+              <a:buNone/>
+            </a:pPr>
+            <a:r>
+              <a:rPr lang="en-US" dirty="0"/>
+              <a:t>4) drop </a:t>
+            </a:r>
+            <a:r>
+              <a:rPr lang="en-US" dirty="0" err="1"/>
+              <a:t>all_util_n</a:t>
+            </a:r>
+            <a:r>
+              <a:rPr lang="en-US" dirty="0"/>
+              <a:t> as &gt;19k out of 20k records has value 100</a:t>
+            </a:r>
+          </a:p>
+          <a:p>
+            <a:pPr marL="0" indent="0">
+              <a:buNone/>
+            </a:pPr>
+            <a:endParaRPr lang="en-US" dirty="0"/>
+          </a:p>
+        </p:txBody>
+      </p:sp>
+      <p:sp>
+        <p:nvSpPr>
+          <p:cNvPr id="6" name="Content Placeholder 5">
+            <a:extLst>
+              <a:ext uri="{FF2B5EF4-FFF2-40B4-BE49-F238E27FC236}">
+                <a16:creationId xmlns:a16="http://schemas.microsoft.com/office/drawing/2014/main" id="{7DD06D52-CA69-0941-B28D-325D7149CA7B}"/>
               </a:ext>
             </a:extLst>
           </p:cNvPr>
@@ -6487,40 +6896,214 @@
         </p:nvSpPr>
         <p:spPr>
           <a:xfrm>
-            <a:off x="6309360" y="2377440"/>
-            <a:ext cx="4663440" cy="3566160"/>
-          </a:xfrm>
-          <a:solidFill>
-            <a:schemeClr val="accent4"/>
-          </a:solidFill>
-        </p:spPr>
-        <p:txBody>
-          <a:bodyPr vert="horz" lIns="365760" tIns="365760" rIns="365760" bIns="365760" rtlCol="0" anchor="t">
+            <a:off x="6309360" y="1866164"/>
+            <a:ext cx="5627002" cy="3566160"/>
+          </a:xfrm>
+        </p:spPr>
+        <p:txBody>
+          <a:bodyPr>
             <a:normAutofit lnSpcReduction="10000"/>
           </a:bodyPr>
           <a:lstStyle/>
           <a:p>
-            <a:r>
-              <a:rPr lang="en-US" dirty="0"/>
-              <a:t>Strong market positioning</a:t>
-            </a:r>
-          </a:p>
-          <a:p>
-            <a:r>
-              <a:rPr lang="en-US" dirty="0"/>
-              <a:t>Robust growth strategy</a:t>
-            </a:r>
-          </a:p>
-          <a:p>
-            <a:r>
-              <a:rPr lang="en-US" dirty="0"/>
-              <a:t>Innovative product development</a:t>
-            </a:r>
-          </a:p>
-          <a:p>
-            <a:r>
-              <a:rPr lang="en-US" dirty="0"/>
-              <a:t>Commitment to user satisfaction</a:t>
+            <a:pPr marL="0" indent="0">
+              <a:buNone/>
+            </a:pPr>
+            <a:r>
+              <a:rPr lang="en-US" cap="none" dirty="0"/>
+              <a:t>Feature engineering in experiment3:</a:t>
+            </a:r>
+          </a:p>
+          <a:p>
+            <a:pPr marL="0" indent="0">
+              <a:buNone/>
+            </a:pPr>
+            <a:r>
+              <a:rPr lang="en-US" cap="none" dirty="0"/>
+              <a:t>1) Impute missing values in </a:t>
+            </a:r>
+            <a:r>
+              <a:rPr lang="en-US" cap="none" dirty="0" err="1"/>
+              <a:t>emp_length</a:t>
+            </a:r>
+            <a:r>
+              <a:rPr lang="en-US" cap="none" dirty="0"/>
+              <a:t> with KNN</a:t>
+            </a:r>
+          </a:p>
+          <a:p>
+            <a:pPr>
+              <a:lnSpc>
+                <a:spcPts val="1425"/>
+              </a:lnSpc>
+              <a:buNone/>
+            </a:pPr>
+            <a:r>
+              <a:rPr lang="en-US" cap="none" dirty="0"/>
+              <a:t>2) Categorize </a:t>
+            </a:r>
+            <a:r>
+              <a:rPr lang="en-US" cap="none" dirty="0" err="1"/>
+              <a:t>all_util_n</a:t>
+            </a:r>
+            <a:r>
+              <a:rPr lang="en-US" cap="none" dirty="0"/>
+              <a:t> in 2 buckets: lt100 &amp; ge100</a:t>
+            </a:r>
+          </a:p>
+          <a:p>
+            <a:pPr>
+              <a:lnSpc>
+                <a:spcPts val="1425"/>
+              </a:lnSpc>
+              <a:buNone/>
+            </a:pPr>
+            <a:r>
+              <a:rPr lang="en-US" cap="none" dirty="0"/>
+              <a:t>3)</a:t>
+            </a:r>
+            <a:r>
+              <a:rPr lang="en-US" dirty="0">
+                <a:solidFill>
+                  <a:srgbClr val="CE9178"/>
+                </a:solidFill>
+                <a:latin typeface="Consolas" panose="020B0609020204030204" pitchFamily="49" charset="0"/>
+              </a:rPr>
+              <a:t> </a:t>
+            </a:r>
+            <a:r>
+              <a:rPr lang="en-US" cap="none" dirty="0"/>
+              <a:t>Drop </a:t>
+            </a:r>
+            <a:r>
+              <a:rPr lang="en-US" cap="none" dirty="0" err="1"/>
+              <a:t>installment_n</a:t>
+            </a:r>
+            <a:r>
+              <a:rPr lang="en-US" cap="none" dirty="0"/>
+              <a:t> due to very high correlation with </a:t>
+            </a:r>
+            <a:r>
+              <a:rPr lang="en-US" cap="none" dirty="0" err="1"/>
+              <a:t>loan_amnt_n</a:t>
+            </a:r>
+            <a:endParaRPr lang="en-US" cap="none" dirty="0"/>
+          </a:p>
+          <a:p>
+            <a:pPr>
+              <a:lnSpc>
+                <a:spcPts val="1425"/>
+              </a:lnSpc>
+              <a:buNone/>
+            </a:pPr>
+            <a:r>
+              <a:rPr lang="en-US" cap="none" dirty="0"/>
+              <a:t>4) log transformation of </a:t>
+            </a:r>
+            <a:r>
+              <a:rPr lang="en-US" cap="none" dirty="0" err="1"/>
+              <a:t>annual_inc_n</a:t>
+            </a:r>
+            <a:endParaRPr lang="en-US" cap="none" dirty="0"/>
+          </a:p>
+          <a:p>
+            <a:pPr>
+              <a:lnSpc>
+                <a:spcPts val="1425"/>
+              </a:lnSpc>
+              <a:buNone/>
+            </a:pPr>
+            <a:r>
+              <a:rPr lang="en-US" cap="none" dirty="0"/>
+              <a:t>5) Drop grade due to Cramer's values of 1 with </a:t>
+            </a:r>
+            <a:r>
+              <a:rPr lang="en-US" cap="none" dirty="0" err="1"/>
+              <a:t>sub_grade</a:t>
+            </a:r>
+            <a:endParaRPr lang="en-US" cap="none" dirty="0"/>
+          </a:p>
+          <a:p>
+            <a:pPr>
+              <a:lnSpc>
+                <a:spcPts val="1425"/>
+              </a:lnSpc>
+              <a:buNone/>
+            </a:pPr>
+            <a:r>
+              <a:rPr lang="en-US" cap="none" dirty="0"/>
+              <a:t>6) </a:t>
+            </a:r>
+            <a:r>
+              <a:rPr lang="en-US" cap="none" dirty="0" err="1"/>
+              <a:t>tot_hi_cred_lim_avg_cur_bal_n</a:t>
+            </a:r>
+            <a:r>
+              <a:rPr lang="en-US" cap="none" dirty="0"/>
+              <a:t> = </a:t>
+            </a:r>
+            <a:r>
+              <a:rPr lang="en-US" cap="none" dirty="0" err="1"/>
+              <a:t>tot_hi_cred_lim_n</a:t>
+            </a:r>
+            <a:r>
+              <a:rPr lang="en-US" cap="none" dirty="0"/>
+              <a:t>/</a:t>
+            </a:r>
+            <a:r>
+              <a:rPr lang="en-US" cap="none" dirty="0" err="1"/>
+              <a:t>avg_cur_bal_n</a:t>
+            </a:r>
+            <a:r>
+              <a:rPr lang="en-US" cap="none" dirty="0"/>
+              <a:t> (highly correlated)</a:t>
+            </a:r>
+          </a:p>
+          <a:p>
+            <a:pPr>
+              <a:lnSpc>
+                <a:spcPts val="1425"/>
+              </a:lnSpc>
+              <a:buNone/>
+            </a:pPr>
+            <a:endParaRPr lang="en-US" cap="none" dirty="0"/>
+          </a:p>
+          <a:p>
+            <a:endParaRPr lang="en-AU" dirty="0"/>
+          </a:p>
+        </p:txBody>
+      </p:sp>
+      <p:sp>
+        <p:nvSpPr>
+          <p:cNvPr id="12" name="TextBox 11">
+            <a:extLst>
+              <a:ext uri="{FF2B5EF4-FFF2-40B4-BE49-F238E27FC236}">
+                <a16:creationId xmlns:a16="http://schemas.microsoft.com/office/drawing/2014/main" id="{ABB79C58-6166-9735-CFAA-B726BA6FD13C}"/>
+              </a:ext>
+            </a:extLst>
+          </p:cNvPr>
+          <p:cNvSpPr txBox="1"/>
+          <p:nvPr/>
+        </p:nvSpPr>
+        <p:spPr>
+          <a:xfrm>
+            <a:off x="1288026" y="5760720"/>
+            <a:ext cx="10648336" cy="369332"/>
+          </a:xfrm>
+          <a:prstGeom prst="rect">
+            <a:avLst/>
+          </a:prstGeom>
+          <a:noFill/>
+        </p:spPr>
+        <p:txBody>
+          <a:bodyPr wrap="square">
+            <a:spAutoFit/>
+          </a:bodyPr>
+          <a:lstStyle/>
+          <a:p>
+            <a:r>
+              <a:rPr lang="en-AU" dirty="0"/>
+              <a:t>Despite feature engineering in experiments 2 and 3, the metrics did not improve and hence proposed the base model </a:t>
             </a:r>
           </a:p>
         </p:txBody>
@@ -6752,8 +7335,8 @@
         </p:nvSpPr>
         <p:spPr>
           <a:xfrm>
-            <a:off x="1280160" y="2661920"/>
-            <a:ext cx="4407408" cy="3180080"/>
+            <a:off x="454249" y="2671752"/>
+            <a:ext cx="5376279" cy="3896196"/>
           </a:xfrm>
         </p:spPr>
         <p:txBody>
@@ -6782,19 +7365,25 @@
           <a:p>
             <a:r>
               <a:rPr lang="en-US" dirty="0"/>
-              <a:t>Proposed model</a:t>
+              <a:t>Proposed model &amp; Selection criteria</a:t>
             </a:r>
           </a:p>
           <a:p>
             <a:r>
               <a:rPr lang="en-US" dirty="0"/>
-              <a:t>Model Testing and validation </a:t>
+              <a:t>Model results</a:t>
             </a:r>
           </a:p>
           <a:p>
             <a:r>
               <a:rPr lang="en-US" dirty="0"/>
-              <a:t>results</a:t>
+              <a:t>Choosing optimal threshold</a:t>
+            </a:r>
+          </a:p>
+          <a:p>
+            <a:r>
+              <a:rPr lang="en-US" dirty="0"/>
+              <a:t>Other experiments performed</a:t>
             </a:r>
           </a:p>
         </p:txBody>
@@ -8196,8 +8785,8 @@
         </p:nvSpPr>
         <p:spPr>
           <a:xfrm>
-            <a:off x="1280160" y="1097280"/>
-            <a:ext cx="9821955" cy="914400"/>
+            <a:off x="1185022" y="202545"/>
+            <a:ext cx="9821955" cy="574203"/>
           </a:xfrm>
           <a:noFill/>
         </p:spPr>
@@ -8230,19 +8819,16 @@
         </p:nvSpPr>
         <p:spPr>
           <a:xfrm>
-            <a:off x="1280160" y="1894839"/>
-            <a:ext cx="5857240" cy="4395893"/>
+            <a:off x="447366" y="1101213"/>
+            <a:ext cx="11297265" cy="5388077"/>
           </a:xfrm>
         </p:spPr>
         <p:txBody>
           <a:bodyPr>
-            <a:normAutofit fontScale="85000" lnSpcReduction="10000"/>
+            <a:normAutofit/>
           </a:bodyPr>
           <a:lstStyle/>
           <a:p>
-            <a:endParaRPr lang="en-AU" dirty="0"/>
-          </a:p>
-          <a:p>
             <a:r>
               <a:rPr lang="en-AU" dirty="0"/>
               <a:t>Algorithm: XGB Classifier</a:t>
@@ -8270,35 +8856,60 @@
             <a:pPr lvl="1"/>
             <a:r>
               <a:rPr lang="en-AU" dirty="0"/>
-              <a:t>Tree depth: 4</a:t>
+              <a:t>tree depth (max depth of each tree): 3</a:t>
             </a:r>
           </a:p>
           <a:p>
             <a:pPr lvl="1"/>
             <a:r>
               <a:rPr lang="en-AU" dirty="0"/>
-              <a:t>Learning rate: 0.03</a:t>
+              <a:t>subsample (fraction of training data randomly selected for each boosting round): 0.6</a:t>
             </a:r>
           </a:p>
           <a:p>
             <a:pPr lvl="1"/>
             <a:r>
               <a:rPr lang="en-AU" dirty="0"/>
-              <a:t>Number of estimators: 200</a:t>
+              <a:t>learning rate (controls the step size): 0.1</a:t>
             </a:r>
           </a:p>
           <a:p>
             <a:pPr lvl="1"/>
             <a:r>
               <a:rPr lang="en-AU" dirty="0"/>
-              <a:t>Regularization: alpha=0.1, lambda=1.0</a:t>
-            </a:r>
-          </a:p>
-          <a:p>
+              <a:t>number of estimators (# of boosting rounds): 100</a:t>
+            </a:r>
+          </a:p>
+          <a:p>
+            <a:pPr lvl="1"/>
             <a:r>
               <a:rPr lang="en-AU" dirty="0"/>
-              <a:t>Model selection strategy: Combined score based on performance and stability across development and out-of-time datasets</a:t>
-            </a:r>
+              <a:t>minimum child weight (min weight of records required for split): 3</a:t>
+            </a:r>
+          </a:p>
+          <a:p>
+            <a:pPr lvl="1"/>
+            <a:r>
+              <a:rPr lang="en-AU" dirty="0"/>
+              <a:t>column subsampling (fractions of features randomly selected for each tree): 1</a:t>
+            </a:r>
+          </a:p>
+          <a:p>
+            <a:pPr lvl="1"/>
+            <a:r>
+              <a:rPr lang="en-AU" dirty="0"/>
+              <a:t>gamma (min loss reduction required for a split): 0.1</a:t>
+            </a:r>
+          </a:p>
+          <a:p>
+            <a:r>
+              <a:rPr lang="en-AU" dirty="0"/>
+              <a:t>Best model is selected based on performance (Gini score) and stability (Gini std deviation) across 15 models</a:t>
+            </a:r>
+          </a:p>
+          <a:p>
+            <a:pPr lvl="1"/>
+            <a:endParaRPr lang="en-AU" dirty="0"/>
           </a:p>
           <a:p>
             <a:endParaRPr lang="en-AU" dirty="0"/>
@@ -8353,8 +8964,8 @@
         </p:nvSpPr>
         <p:spPr>
           <a:xfrm>
-            <a:off x="3926163" y="219605"/>
-            <a:ext cx="6217920" cy="426720"/>
+            <a:off x="324465" y="219605"/>
+            <a:ext cx="11375922" cy="426720"/>
           </a:xfrm>
           <a:noFill/>
         </p:spPr>
@@ -8364,7 +8975,7 @@
           <a:p>
             <a:r>
               <a:rPr lang="en-US" dirty="0"/>
-              <a:t>Product benefits</a:t>
+              <a:t>Methodology for best model selection</a:t>
             </a:r>
           </a:p>
         </p:txBody>
@@ -8416,14 +9027,103 @@
         </p:blipFill>
         <p:spPr>
           <a:xfrm>
-            <a:off x="228981" y="1428220"/>
-            <a:ext cx="8220075" cy="5210175"/>
+            <a:off x="61833" y="1064426"/>
+            <a:ext cx="7907271" cy="5011909"/>
           </a:xfrm>
           <a:prstGeom prst="rect">
             <a:avLst/>
           </a:prstGeom>
         </p:spPr>
       </p:pic>
+      <p:sp>
+        <p:nvSpPr>
+          <p:cNvPr id="4" name="TextBox 3">
+            <a:extLst>
+              <a:ext uri="{FF2B5EF4-FFF2-40B4-BE49-F238E27FC236}">
+                <a16:creationId xmlns:a16="http://schemas.microsoft.com/office/drawing/2014/main" id="{CA3815CE-9F9F-0A2F-E374-A0460276965E}"/>
+              </a:ext>
+            </a:extLst>
+          </p:cNvPr>
+          <p:cNvSpPr txBox="1"/>
+          <p:nvPr/>
+        </p:nvSpPr>
+        <p:spPr>
+          <a:xfrm>
+            <a:off x="8003460" y="1515468"/>
+            <a:ext cx="4109883" cy="3970318"/>
+          </a:xfrm>
+          <a:prstGeom prst="rect">
+            <a:avLst/>
+          </a:prstGeom>
+          <a:noFill/>
+        </p:spPr>
+        <p:txBody>
+          <a:bodyPr wrap="square">
+            <a:spAutoFit/>
+          </a:bodyPr>
+          <a:lstStyle/>
+          <a:p>
+            <a:pPr lvl="1"/>
+            <a:r>
+              <a:rPr lang="en-US" dirty="0"/>
+              <a:t>Select best model by balancing performance (mean Gini) with stability (std dev of Gini) : get all the top 5% </a:t>
+            </a:r>
+            <a:r>
+              <a:rPr lang="en-US" dirty="0" err="1"/>
+              <a:t>gini</a:t>
+            </a:r>
+            <a:r>
+              <a:rPr lang="en-US" dirty="0"/>
+              <a:t> scores and select the one with minimum standard deviation ensuring performance and generalization.</a:t>
+            </a:r>
+          </a:p>
+          <a:p>
+            <a:pPr lvl="1"/>
+            <a:r>
+              <a:rPr lang="en-US" dirty="0"/>
+              <a:t> </a:t>
+            </a:r>
+            <a:endParaRPr lang="en-AU" dirty="0"/>
+          </a:p>
+          <a:p>
+            <a:pPr lvl="1"/>
+            <a:r>
+              <a:rPr lang="en-AU" dirty="0"/>
+              <a:t>Mean Gini Score (training data): 0.485</a:t>
+            </a:r>
+          </a:p>
+          <a:p>
+            <a:pPr lvl="1"/>
+            <a:r>
+              <a:rPr lang="en-AU" dirty="0"/>
+              <a:t>Std Dev of Gini (training data): 0.020</a:t>
+            </a:r>
+          </a:p>
+          <a:p>
+            <a:pPr lvl="1"/>
+            <a:endParaRPr lang="en-AU" dirty="0"/>
+          </a:p>
+          <a:p>
+            <a:pPr lvl="1"/>
+            <a:r>
+              <a:rPr lang="en-AU" dirty="0"/>
+              <a:t>Gini Score (OOT data): 0.405</a:t>
+            </a:r>
+          </a:p>
+          <a:p>
+            <a:pPr lvl="1"/>
+            <a:endParaRPr lang="en-AU" dirty="0"/>
+          </a:p>
+          <a:p>
+            <a:pPr lvl="1"/>
+            <a:endParaRPr lang="en-AU" dirty="0"/>
+          </a:p>
+          <a:p>
+            <a:pPr lvl="1"/>
+            <a:endParaRPr lang="en-AU" dirty="0"/>
+          </a:p>
+        </p:txBody>
+      </p:sp>
     </p:spTree>
     <p:extLst>
       <p:ext uri="{BB962C8B-B14F-4D97-AF65-F5344CB8AC3E}">
@@ -9229,12 +9929,23 @@
 </file>
 
 <file path=customXml/item1.xml><?xml version="1.0" encoding="utf-8"?>
-<?mso-contentType ?>
-<FormTemplates xmlns="http://schemas.microsoft.com/sharepoint/v3/contenttype/forms">
-  <Display>DocumentLibraryForm</Display>
-  <Edit>DocumentLibraryForm</Edit>
-  <New>DocumentLibraryForm</New>
-</FormTemplates>
+<p:properties xmlns:p="http://schemas.microsoft.com/office/2006/metadata/properties" xmlns:xsi="http://www.w3.org/2001/XMLSchema-instance" xmlns:pc="http://schemas.microsoft.com/office/infopath/2007/PartnerControls">
+  <documentManagement>
+    <_ip_UnifiedCompliancePolicyUIAction xmlns="http://schemas.microsoft.com/sharepoint/v3" xsi:nil="true"/>
+    <Image xmlns="71af3243-3dd4-4a8d-8c0d-dd76da1f02a5">
+      <Url xsi:nil="true"/>
+      <Description xsi:nil="true"/>
+    </Image>
+    <Status xmlns="71af3243-3dd4-4a8d-8c0d-dd76da1f02a5">Not started</Status>
+    <Background xmlns="71af3243-3dd4-4a8d-8c0d-dd76da1f02a5">false</Background>
+    <_ip_UnifiedCompliancePolicyProperties xmlns="http://schemas.microsoft.com/sharepoint/v3" xsi:nil="true"/>
+    <ImageTagsTaxHTField xmlns="71af3243-3dd4-4a8d-8c0d-dd76da1f02a5">
+      <Terms xmlns="http://schemas.microsoft.com/office/infopath/2007/PartnerControls"/>
+    </ImageTagsTaxHTField>
+    <TaxCatchAll xmlns="230e9df3-be65-4c73-a93b-d1236ebd677e" xsi:nil="true"/>
+    <MediaServiceKeyPoints xmlns="71af3243-3dd4-4a8d-8c0d-dd76da1f02a5" xsi:nil="true"/>
+  </documentManagement>
+</p:properties>
 </file>
 
 <file path=customXml/item2.xml><?xml version="1.0" encoding="utf-8"?>
@@ -9550,29 +10261,22 @@
 </file>
 
 <file path=customXml/item3.xml><?xml version="1.0" encoding="utf-8"?>
-<p:properties xmlns:p="http://schemas.microsoft.com/office/2006/metadata/properties" xmlns:xsi="http://www.w3.org/2001/XMLSchema-instance" xmlns:pc="http://schemas.microsoft.com/office/infopath/2007/PartnerControls">
-  <documentManagement>
-    <_ip_UnifiedCompliancePolicyUIAction xmlns="http://schemas.microsoft.com/sharepoint/v3" xsi:nil="true"/>
-    <Image xmlns="71af3243-3dd4-4a8d-8c0d-dd76da1f02a5">
-      <Url xsi:nil="true"/>
-      <Description xsi:nil="true"/>
-    </Image>
-    <Status xmlns="71af3243-3dd4-4a8d-8c0d-dd76da1f02a5">Not started</Status>
-    <Background xmlns="71af3243-3dd4-4a8d-8c0d-dd76da1f02a5">false</Background>
-    <_ip_UnifiedCompliancePolicyProperties xmlns="http://schemas.microsoft.com/sharepoint/v3" xsi:nil="true"/>
-    <ImageTagsTaxHTField xmlns="71af3243-3dd4-4a8d-8c0d-dd76da1f02a5">
-      <Terms xmlns="http://schemas.microsoft.com/office/infopath/2007/PartnerControls"/>
-    </ImageTagsTaxHTField>
-    <TaxCatchAll xmlns="230e9df3-be65-4c73-a93b-d1236ebd677e" xsi:nil="true"/>
-    <MediaServiceKeyPoints xmlns="71af3243-3dd4-4a8d-8c0d-dd76da1f02a5" xsi:nil="true"/>
-  </documentManagement>
-</p:properties>
+<?mso-contentType ?>
+<FormTemplates xmlns="http://schemas.microsoft.com/sharepoint/v3/contenttype/forms">
+  <Display>DocumentLibraryForm</Display>
+  <Edit>DocumentLibraryForm</Edit>
+  <New>DocumentLibraryForm</New>
+</FormTemplates>
 </file>
 
 <file path=customXml/itemProps1.xml><?xml version="1.0" encoding="utf-8"?>
-<ds:datastoreItem xmlns:ds="http://schemas.openxmlformats.org/officeDocument/2006/customXml" ds:itemID="{DF8397A0-8C35-4EEE-8E61-47C914415B57}">
+<ds:datastoreItem xmlns:ds="http://schemas.openxmlformats.org/officeDocument/2006/customXml" ds:itemID="{B881D8D6-8849-400B-8BC9-21D401C7DD06}">
   <ds:schemaRefs>
-    <ds:schemaRef ds:uri="http://schemas.microsoft.com/sharepoint/v3/contenttype/forms"/>
+    <ds:schemaRef ds:uri="http://schemas.microsoft.com/office/2006/metadata/properties"/>
+    <ds:schemaRef ds:uri="http://schemas.microsoft.com/office/infopath/2007/PartnerControls"/>
+    <ds:schemaRef ds:uri="http://schemas.microsoft.com/sharepoint/v3"/>
+    <ds:schemaRef ds:uri="71af3243-3dd4-4a8d-8c0d-dd76da1f02a5"/>
+    <ds:schemaRef ds:uri="230e9df3-be65-4c73-a93b-d1236ebd677e"/>
   </ds:schemaRefs>
 </ds:datastoreItem>
 </file>
@@ -9599,13 +10303,9 @@
 </file>
 
 <file path=customXml/itemProps3.xml><?xml version="1.0" encoding="utf-8"?>
-<ds:datastoreItem xmlns:ds="http://schemas.openxmlformats.org/officeDocument/2006/customXml" ds:itemID="{B881D8D6-8849-400B-8BC9-21D401C7DD06}">
+<ds:datastoreItem xmlns:ds="http://schemas.openxmlformats.org/officeDocument/2006/customXml" ds:itemID="{DF8397A0-8C35-4EEE-8E61-47C914415B57}">
   <ds:schemaRefs>
-    <ds:schemaRef ds:uri="http://schemas.microsoft.com/office/2006/metadata/properties"/>
-    <ds:schemaRef ds:uri="http://schemas.microsoft.com/office/infopath/2007/PartnerControls"/>
-    <ds:schemaRef ds:uri="http://schemas.microsoft.com/sharepoint/v3"/>
-    <ds:schemaRef ds:uri="71af3243-3dd4-4a8d-8c0d-dd76da1f02a5"/>
-    <ds:schemaRef ds:uri="230e9df3-be65-4c73-a93b-d1236ebd677e"/>
+    <ds:schemaRef ds:uri="http://schemas.microsoft.com/sharepoint/v3/contenttype/forms"/>
   </ds:schemaRefs>
 </ds:datastoreItem>
 </file>
